--- a/STA-491-PC-F21/9 - Smooth Motions & Projection Tips.pptx
+++ b/STA-491-PC-F21/9 - Smooth Motions & Projection Tips.pptx
@@ -15178,7 +15178,7 @@
                 <a:latin typeface="Roboto" panose="02000000000000000000" pitchFamily="2" charset="0"/>
                 <a:ea typeface="Roboto" panose="02000000000000000000" pitchFamily="2" charset="0"/>
               </a:rPr>
-              <a:t>Give you a random number between 5 &amp; 20 every time this line is executed</a:t>
+              <a:t>Gives you a random number between 5 &amp; 20 every time this line is executed</a:t>
             </a:r>
           </a:p>
           <a:p>
@@ -15729,6 +15729,207 @@
           </a:p>
         </p:txBody>
       </p:sp>
+      <p:sp>
+        <p:nvSpPr>
+          <p:cNvPr id="4" name="TextBox 3">
+            <a:extLst>
+              <a:ext uri="{FF2B5EF4-FFF2-40B4-BE49-F238E27FC236}">
+                <a16:creationId xmlns:a16="http://schemas.microsoft.com/office/drawing/2014/main" id="{17E2D64F-8DBD-443D-A664-252745CB3889}"/>
+              </a:ext>
+            </a:extLst>
+          </p:cNvPr>
+          <p:cNvSpPr txBox="1"/>
+          <p:nvPr/>
+        </p:nvSpPr>
+        <p:spPr>
+          <a:xfrm>
+            <a:off x="1266824" y="1485900"/>
+            <a:ext cx="10325101" cy="5201424"/>
+          </a:xfrm>
+          <a:prstGeom prst="rect">
+            <a:avLst/>
+          </a:prstGeom>
+          <a:noFill/>
+        </p:spPr>
+        <p:txBody>
+          <a:bodyPr wrap="square" rtlCol="0">
+            <a:spAutoFit/>
+          </a:bodyPr>
+          <a:lstStyle/>
+          <a:p>
+            <a:r>
+              <a:rPr lang="en-US" sz="2400" dirty="0">
+                <a:solidFill>
+                  <a:schemeClr val="bg1"/>
+                </a:solidFill>
+                <a:latin typeface="Roboto" panose="02000000000000000000" pitchFamily="2" charset="0"/>
+                <a:ea typeface="Roboto" panose="02000000000000000000" pitchFamily="2" charset="0"/>
+              </a:rPr>
+              <a:t>Line in the Wind: </a:t>
+            </a:r>
+            <a:r>
+              <a:rPr lang="en-US" sz="2400" dirty="0">
+                <a:solidFill>
+                  <a:schemeClr val="bg1"/>
+                </a:solidFill>
+                <a:latin typeface="Roboto" panose="02000000000000000000" pitchFamily="2" charset="0"/>
+                <a:ea typeface="Roboto" panose="02000000000000000000" pitchFamily="2" charset="0"/>
+                <a:hlinkClick r:id="rId2"/>
+              </a:rPr>
+              <a:t>https://editor.p5js.org/scotchANDsolder/sketches/qYyiogwTF</a:t>
+            </a:r>
+            <a:endParaRPr lang="en-US" sz="2400" dirty="0">
+              <a:solidFill>
+                <a:schemeClr val="bg1"/>
+              </a:solidFill>
+              <a:latin typeface="Roboto" panose="02000000000000000000" pitchFamily="2" charset="0"/>
+              <a:ea typeface="Roboto" panose="02000000000000000000" pitchFamily="2" charset="0"/>
+            </a:endParaRPr>
+          </a:p>
+          <a:p>
+            <a:endParaRPr lang="en-US" sz="2400" dirty="0">
+              <a:solidFill>
+                <a:schemeClr val="bg1"/>
+              </a:solidFill>
+              <a:latin typeface="Roboto" panose="02000000000000000000" pitchFamily="2" charset="0"/>
+              <a:ea typeface="Roboto" panose="02000000000000000000" pitchFamily="2" charset="0"/>
+            </a:endParaRPr>
+          </a:p>
+          <a:p>
+            <a:r>
+              <a:rPr lang="en-US" sz="2400" dirty="0">
+                <a:solidFill>
+                  <a:schemeClr val="bg1"/>
+                </a:solidFill>
+                <a:latin typeface="Roboto" panose="02000000000000000000" pitchFamily="2" charset="0"/>
+                <a:ea typeface="Roboto" panose="02000000000000000000" pitchFamily="2" charset="0"/>
+              </a:rPr>
+              <a:t>Many Sticks in the Wind: </a:t>
+            </a:r>
+            <a:r>
+              <a:rPr lang="en-US" sz="2400" dirty="0">
+                <a:solidFill>
+                  <a:schemeClr val="bg1"/>
+                </a:solidFill>
+                <a:latin typeface="Roboto" panose="02000000000000000000" pitchFamily="2" charset="0"/>
+                <a:ea typeface="Roboto" panose="02000000000000000000" pitchFamily="2" charset="0"/>
+                <a:hlinkClick r:id="rId3"/>
+              </a:rPr>
+              <a:t>https://editor.p5js.org/scotchANDsolder/sketches/UIWEJOpX9</a:t>
+            </a:r>
+            <a:endParaRPr lang="en-US" sz="2400" dirty="0">
+              <a:solidFill>
+                <a:schemeClr val="bg1"/>
+              </a:solidFill>
+              <a:latin typeface="Roboto" panose="02000000000000000000" pitchFamily="2" charset="0"/>
+              <a:ea typeface="Roboto" panose="02000000000000000000" pitchFamily="2" charset="0"/>
+            </a:endParaRPr>
+          </a:p>
+          <a:p>
+            <a:endParaRPr lang="en-US" sz="2400" dirty="0">
+              <a:solidFill>
+                <a:schemeClr val="bg1"/>
+              </a:solidFill>
+              <a:latin typeface="Roboto" panose="02000000000000000000" pitchFamily="2" charset="0"/>
+              <a:ea typeface="Roboto" panose="02000000000000000000" pitchFamily="2" charset="0"/>
+            </a:endParaRPr>
+          </a:p>
+          <a:p>
+            <a:r>
+              <a:rPr lang="en-US" sz="2400" dirty="0">
+                <a:solidFill>
+                  <a:schemeClr val="bg1"/>
+                </a:solidFill>
+                <a:latin typeface="Roboto" panose="02000000000000000000" pitchFamily="2" charset="0"/>
+                <a:ea typeface="Roboto" panose="02000000000000000000" pitchFamily="2" charset="0"/>
+              </a:rPr>
+              <a:t>Perlin &amp; Color : </a:t>
+            </a:r>
+            <a:r>
+              <a:rPr lang="en-US" sz="2400" dirty="0">
+                <a:solidFill>
+                  <a:schemeClr val="bg1"/>
+                </a:solidFill>
+                <a:latin typeface="Roboto" panose="02000000000000000000" pitchFamily="2" charset="0"/>
+                <a:ea typeface="Roboto" panose="02000000000000000000" pitchFamily="2" charset="0"/>
+                <a:hlinkClick r:id="rId4"/>
+              </a:rPr>
+              <a:t>https://editor.p5js.org/scotchANDsolder/sketches/N31w4TtxD</a:t>
+            </a:r>
+            <a:endParaRPr lang="en-US" sz="2400" dirty="0">
+              <a:solidFill>
+                <a:schemeClr val="bg1"/>
+              </a:solidFill>
+              <a:latin typeface="Roboto" panose="02000000000000000000" pitchFamily="2" charset="0"/>
+              <a:ea typeface="Roboto" panose="02000000000000000000" pitchFamily="2" charset="0"/>
+            </a:endParaRPr>
+          </a:p>
+          <a:p>
+            <a:r>
+              <a:rPr lang="en-US" sz="2400" dirty="0">
+                <a:solidFill>
+                  <a:schemeClr val="bg1"/>
+                </a:solidFill>
+                <a:latin typeface="Roboto" panose="02000000000000000000" pitchFamily="2" charset="0"/>
+                <a:ea typeface="Roboto" panose="02000000000000000000" pitchFamily="2" charset="0"/>
+              </a:rPr>
+              <a:t>Spiky Germanium: </a:t>
+            </a:r>
+            <a:r>
+              <a:rPr lang="en-US" sz="2400" dirty="0">
+                <a:solidFill>
+                  <a:schemeClr val="bg1"/>
+                </a:solidFill>
+                <a:latin typeface="Roboto" panose="02000000000000000000" pitchFamily="2" charset="0"/>
+                <a:ea typeface="Roboto" panose="02000000000000000000" pitchFamily="2" charset="0"/>
+                <a:hlinkClick r:id="rId5"/>
+              </a:rPr>
+              <a:t>https://editor.p5js.org/scotchANDsolder/sketches/ts0QM2LQ_</a:t>
+            </a:r>
+            <a:endParaRPr lang="en-US" sz="2400" dirty="0">
+              <a:solidFill>
+                <a:schemeClr val="bg1"/>
+              </a:solidFill>
+              <a:latin typeface="Roboto" panose="02000000000000000000" pitchFamily="2" charset="0"/>
+              <a:ea typeface="Roboto" panose="02000000000000000000" pitchFamily="2" charset="0"/>
+            </a:endParaRPr>
+          </a:p>
+          <a:p>
+            <a:endParaRPr lang="en-US" sz="2800" i="1" dirty="0">
+              <a:solidFill>
+                <a:schemeClr val="bg1"/>
+              </a:solidFill>
+              <a:latin typeface="Roboto" panose="02000000000000000000" pitchFamily="2" charset="0"/>
+              <a:ea typeface="Roboto" panose="02000000000000000000" pitchFamily="2" charset="0"/>
+            </a:endParaRPr>
+          </a:p>
+          <a:p>
+            <a:pPr marL="1028700" lvl="1" indent="-571500">
+              <a:buFont typeface="Arial" panose="020B0604020202020204" pitchFamily="34" charset="0"/>
+              <a:buChar char="•"/>
+            </a:pPr>
+            <a:endParaRPr lang="en-US" sz="2800" b="1" dirty="0">
+              <a:solidFill>
+                <a:schemeClr val="bg1"/>
+              </a:solidFill>
+              <a:latin typeface="Roboto" panose="02000000000000000000" pitchFamily="2" charset="0"/>
+              <a:ea typeface="Roboto" panose="02000000000000000000" pitchFamily="2" charset="0"/>
+            </a:endParaRPr>
+          </a:p>
+          <a:p>
+            <a:pPr marL="571500" indent="-571500">
+              <a:buFont typeface="Arial" panose="020B0604020202020204" pitchFamily="34" charset="0"/>
+              <a:buChar char="•"/>
+            </a:pPr>
+            <a:endParaRPr lang="en-US" sz="3600" b="1" dirty="0">
+              <a:solidFill>
+                <a:schemeClr val="bg1"/>
+              </a:solidFill>
+              <a:latin typeface="Consolas" panose="020B0609020204030204" pitchFamily="49" charset="0"/>
+            </a:endParaRPr>
+          </a:p>
+        </p:txBody>
+      </p:sp>
     </p:spTree>
     <p:extLst>
       <p:ext uri="{BB962C8B-B14F-4D97-AF65-F5344CB8AC3E}">
@@ -16471,7 +16672,7 @@
                 <a:latin typeface="Roboto" panose="02000000000000000000" pitchFamily="2" charset="0"/>
                 <a:ea typeface="Roboto" panose="02000000000000000000" pitchFamily="2" charset="0"/>
               </a:rPr>
-              <a:t>Extract file and location the following 2 files:</a:t>
+              <a:t>Extract file and locate the following 2 files:</a:t>
             </a:r>
           </a:p>
           <a:p>
@@ -17573,21 +17774,6 @@
 </file>
 
 <file path=customXml/item1.xml><?xml version="1.0" encoding="utf-8"?>
-<p:properties xmlns:p="http://schemas.microsoft.com/office/2006/metadata/properties" xmlns:xsi="http://www.w3.org/2001/XMLSchema-instance" xmlns:pc="http://schemas.microsoft.com/office/infopath/2007/PartnerControls">
-  <documentManagement/>
-</p:properties>
-</file>
-
-<file path=customXml/item2.xml><?xml version="1.0" encoding="utf-8"?>
-<?mso-contentType ?>
-<FormTemplates xmlns="http://schemas.microsoft.com/sharepoint/v3/contenttype/forms">
-  <Display>DocumentLibraryForm</Display>
-  <Edit>DocumentLibraryForm</Edit>
-  <New>DocumentLibraryForm</New>
-</FormTemplates>
-</file>
-
-<file path=customXml/item3.xml><?xml version="1.0" encoding="utf-8"?>
 <ct:contentTypeSchema xmlns:ct="http://schemas.microsoft.com/office/2006/metadata/contentType" xmlns:ma="http://schemas.microsoft.com/office/2006/metadata/properties/metaAttributes" ct:_="" ma:_="" ma:contentTypeName="Document" ma:contentTypeID="0x0101000D958A5556AA64499116E1793A53468A" ma:contentTypeVersion="7" ma:contentTypeDescription="Create a new document." ma:contentTypeScope="" ma:versionID="bf3d4e6668e1c41632fb8d2af3a79adb">
   <xsd:schema xmlns:xsd="http://www.w3.org/2001/XMLSchema" xmlns:xs="http://www.w3.org/2001/XMLSchema" xmlns:p="http://schemas.microsoft.com/office/2006/metadata/properties" xmlns:ns3="27f5b930-c5a1-440e-b577-567b15b72b75" xmlns:ns4="cd174ddd-0451-4af8-ad43-5fbbe8b32ab0" targetNamespace="http://schemas.microsoft.com/office/2006/metadata/properties" ma:root="true" ma:fieldsID="c3468af79fddbdadfa5914a73d12b22c" ns3:_="" ns4:_="">
     <xsd:import namespace="27f5b930-c5a1-440e-b577-567b15b72b75"/>
@@ -17772,32 +17958,22 @@
 </ct:contentTypeSchema>
 </file>
 
-<file path=customXml/itemProps1.xml><?xml version="1.0" encoding="utf-8"?>
-<ds:datastoreItem xmlns:ds="http://schemas.openxmlformats.org/officeDocument/2006/customXml" ds:itemID="{D77166A1-332D-4088-BCD3-CEBE89D2B1FE}">
-  <ds:schemaRefs>
-    <ds:schemaRef ds:uri="http://purl.org/dc/elements/1.1/"/>
-    <ds:schemaRef ds:uri="http://www.w3.org/XML/1998/namespace"/>
-    <ds:schemaRef ds:uri="27f5b930-c5a1-440e-b577-567b15b72b75"/>
-    <ds:schemaRef ds:uri="http://schemas.microsoft.com/office/infopath/2007/PartnerControls"/>
-    <ds:schemaRef ds:uri="cd174ddd-0451-4af8-ad43-5fbbe8b32ab0"/>
-    <ds:schemaRef ds:uri="http://purl.org/dc/dcmitype/"/>
-    <ds:schemaRef ds:uri="http://schemas.microsoft.com/office/2006/documentManagement/types"/>
-    <ds:schemaRef ds:uri="http://schemas.openxmlformats.org/package/2006/metadata/core-properties"/>
-    <ds:schemaRef ds:uri="http://schemas.microsoft.com/office/2006/metadata/properties"/>
-    <ds:schemaRef ds:uri="http://purl.org/dc/terms/"/>
-  </ds:schemaRefs>
-</ds:datastoreItem>
+<file path=customXml/item2.xml><?xml version="1.0" encoding="utf-8"?>
+<?mso-contentType ?>
+<FormTemplates xmlns="http://schemas.microsoft.com/sharepoint/v3/contenttype/forms">
+  <Display>DocumentLibraryForm</Display>
+  <Edit>DocumentLibraryForm</Edit>
+  <New>DocumentLibraryForm</New>
+</FormTemplates>
 </file>
 
-<file path=customXml/itemProps2.xml><?xml version="1.0" encoding="utf-8"?>
-<ds:datastoreItem xmlns:ds="http://schemas.openxmlformats.org/officeDocument/2006/customXml" ds:itemID="{30011791-DDFA-47A0-AD1F-41FE8474C0EC}">
-  <ds:schemaRefs>
-    <ds:schemaRef ds:uri="http://schemas.microsoft.com/sharepoint/v3/contenttype/forms"/>
-  </ds:schemaRefs>
-</ds:datastoreItem>
+<file path=customXml/item3.xml><?xml version="1.0" encoding="utf-8"?>
+<p:properties xmlns:p="http://schemas.microsoft.com/office/2006/metadata/properties" xmlns:xsi="http://www.w3.org/2001/XMLSchema-instance" xmlns:pc="http://schemas.microsoft.com/office/infopath/2007/PartnerControls">
+  <documentManagement/>
+</p:properties>
 </file>
 
-<file path=customXml/itemProps3.xml><?xml version="1.0" encoding="utf-8"?>
+<file path=customXml/itemProps1.xml><?xml version="1.0" encoding="utf-8"?>
 <ds:datastoreItem xmlns:ds="http://schemas.openxmlformats.org/officeDocument/2006/customXml" ds:itemID="{FA177A05-C433-4667-B307-2FE55F767BB5}">
   <ds:schemaRefs>
     <ds:schemaRef ds:uri="http://schemas.microsoft.com/office/2006/metadata/contentType"/>
@@ -17814,4 +17990,29 @@
     <ds:schemaRef ds:uri="http://schemas.microsoft.com/internal/obd"/>
   </ds:schemaRefs>
 </ds:datastoreItem>
+</file>
+
+<file path=customXml/itemProps2.xml><?xml version="1.0" encoding="utf-8"?>
+<ds:datastoreItem xmlns:ds="http://schemas.openxmlformats.org/officeDocument/2006/customXml" ds:itemID="{30011791-DDFA-47A0-AD1F-41FE8474C0EC}">
+  <ds:schemaRefs>
+    <ds:schemaRef ds:uri="http://schemas.microsoft.com/sharepoint/v3/contenttype/forms"/>
+  </ds:schemaRefs>
+</ds:datastoreItem>
+</file>
+
+<file path=customXml/itemProps3.xml><?xml version="1.0" encoding="utf-8"?>
+<ds:datastoreItem xmlns:ds="http://schemas.openxmlformats.org/officeDocument/2006/customXml" ds:itemID="{D77166A1-332D-4088-BCD3-CEBE89D2B1FE}">
+  <ds:schemaRefs>
+    <ds:schemaRef ds:uri="http://purl.org/dc/elements/1.1/"/>
+    <ds:schemaRef ds:uri="http://www.w3.org/XML/1998/namespace"/>
+    <ds:schemaRef ds:uri="27f5b930-c5a1-440e-b577-567b15b72b75"/>
+    <ds:schemaRef ds:uri="http://schemas.microsoft.com/office/infopath/2007/PartnerControls"/>
+    <ds:schemaRef ds:uri="cd174ddd-0451-4af8-ad43-5fbbe8b32ab0"/>
+    <ds:schemaRef ds:uri="http://purl.org/dc/dcmitype/"/>
+    <ds:schemaRef ds:uri="http://schemas.microsoft.com/office/2006/documentManagement/types"/>
+    <ds:schemaRef ds:uri="http://schemas.openxmlformats.org/package/2006/metadata/core-properties"/>
+    <ds:schemaRef ds:uri="http://schemas.microsoft.com/office/2006/metadata/properties"/>
+    <ds:schemaRef ds:uri="http://purl.org/dc/terms/"/>
+  </ds:schemaRefs>
+</ds:datastoreItem>
 </file>